--- a/PairVino.pptx
+++ b/PairVino.pptx
@@ -19817,6 +19817,19 @@
               <a:buNone/>
             </a:pPr>
             <a:r>
+              <a:rPr lang="pt-BR" sz="950" u="sng">
+                <a:solidFill>
+                  <a:schemeClr val="hlink"/>
+                </a:solidFill>
+                <a:latin typeface="Viaoda Libre"/>
+                <a:ea typeface="Viaoda Libre"/>
+                <a:cs typeface="Viaoda Libre"/>
+                <a:sym typeface="Viaoda Libre"/>
+                <a:hlinkClick r:id="rId3"/>
+              </a:rPr>
+              <a:t>Sensory research shows that good food–wine pairings significantly enhance flavor perception</a:t>
+            </a:r>
+            <a:r>
               <a:rPr lang="pt-BR" sz="950">
                 <a:solidFill>
                   <a:schemeClr val="dk1"/>
@@ -19826,7 +19839,7 @@
                 <a:cs typeface="Viaoda Libre"/>
                 <a:sym typeface="Viaoda Libre"/>
               </a:rPr>
-              <a:t>Sensory research shows that good food–wine pairings significantly enhance flavor perception.</a:t>
+              <a:t>.</a:t>
             </a:r>
             <a:endParaRPr sz="950">
               <a:solidFill>
@@ -19928,7 +19941,32 @@
                 <a:cs typeface="Viaoda Libre"/>
                 <a:sym typeface="Viaoda Libre"/>
               </a:rPr>
-              <a:t>Two-thirds of wine drinkers strongly feel that wine and food naturally complement each other, according to Colangelo &amp; Partners — but most lack the confidence to choose the right pairing.</a:t>
+              <a:t>Two-thirds of wine drinkers strongly feel that wine and food naturally complement each other, according to </a:t>
+            </a:r>
+            <a:r>
+              <a:rPr lang="pt-BR" sz="950" u="sng">
+                <a:solidFill>
+                  <a:schemeClr val="hlink"/>
+                </a:solidFill>
+                <a:latin typeface="Viaoda Libre"/>
+                <a:ea typeface="Viaoda Libre"/>
+                <a:cs typeface="Viaoda Libre"/>
+                <a:sym typeface="Viaoda Libre"/>
+                <a:hlinkClick r:id="rId4"/>
+              </a:rPr>
+              <a:t>Colangelo &amp; Partners </a:t>
+            </a:r>
+            <a:r>
+              <a:rPr lang="pt-BR" sz="950">
+                <a:solidFill>
+                  <a:schemeClr val="dk1"/>
+                </a:solidFill>
+                <a:latin typeface="Viaoda Libre"/>
+                <a:ea typeface="Viaoda Libre"/>
+                <a:cs typeface="Viaoda Libre"/>
+                <a:sym typeface="Viaoda Libre"/>
+              </a:rPr>
+              <a:t>— but most lack the confidence to choose the right pairing.</a:t>
             </a:r>
             <a:endParaRPr sz="950">
               <a:solidFill>
@@ -19990,47 +20028,17 @@
               <a:buNone/>
             </a:pPr>
             <a:r>
-              <a:t/>
-            </a:r>
-            <a:endParaRPr sz="950">
-              <a:solidFill>
-                <a:schemeClr val="dk1"/>
-              </a:solidFill>
-              <a:latin typeface="Viaoda Libre"/>
-              <a:ea typeface="Viaoda Libre"/>
-              <a:cs typeface="Viaoda Libre"/>
-              <a:sym typeface="Viaoda Libre"/>
-            </a:endParaRPr>
-          </a:p>
-          <a:p>
-            <a:pPr indent="0" lvl="0" marL="0" rtl="0" algn="just">
-              <a:lnSpc>
-                <a:spcPct val="115000"/>
-              </a:lnSpc>
-              <a:spcBef>
-                <a:spcPts val="0"/>
-              </a:spcBef>
-              <a:spcAft>
-                <a:spcPts val="0"/>
-              </a:spcAft>
-              <a:buClr>
-                <a:schemeClr val="dk2"/>
-              </a:buClr>
-              <a:buSzPts val="990"/>
-              <a:buFont typeface="Arial"/>
-              <a:buNone/>
-            </a:pPr>
-            <a:r>
-              <a:rPr lang="pt-BR" sz="950">
+              <a:rPr lang="pt-BR" sz="950" u="sng">
                 <a:solidFill>
-                  <a:schemeClr val="dk1"/>
+                  <a:schemeClr val="hlink"/>
                 </a:solidFill>
                 <a:latin typeface="Viaoda Libre"/>
                 <a:ea typeface="Viaoda Libre"/>
                 <a:cs typeface="Viaoda Libre"/>
                 <a:sym typeface="Viaoda Libre"/>
+                <a:hlinkClick r:id="rId5"/>
               </a:rPr>
-              <a:t>Marketing studies show that providing pairing recommendations can boost wine sales by ~15%.</a:t>
+              <a:t>A scientific study shows that wine recommendation can increase sales by 12% and food-wine pairing recommendations can increase sales by 7.6%.</a:t>
             </a:r>
             <a:endParaRPr sz="950">
               <a:solidFill>
@@ -20163,6 +20171,19 @@
               <a:buNone/>
             </a:pPr>
             <a:r>
+              <a:rPr lang="pt-BR" sz="950" u="sng">
+                <a:solidFill>
+                  <a:schemeClr val="hlink"/>
+                </a:solidFill>
+                <a:latin typeface="Viaoda Libre"/>
+                <a:ea typeface="Viaoda Libre"/>
+                <a:cs typeface="Viaoda Libre"/>
+                <a:sym typeface="Viaoda Libre"/>
+                <a:hlinkClick r:id="rId6"/>
+              </a:rPr>
+              <a:t>Wine Intelligence Global Trends in Wine report</a:t>
+            </a:r>
+            <a:r>
               <a:rPr lang="pt-BR" sz="950">
                 <a:solidFill>
                   <a:schemeClr val="dk1"/>
@@ -20172,7 +20193,7 @@
                 <a:cs typeface="Viaoda Libre"/>
                 <a:sym typeface="Viaoda Libre"/>
               </a:rPr>
-              <a:t>Wine Intelligence Global Trends in Wine report shows that the global wine knowledge index declined between 2015 and 2019 — from ~43.8 to ~40.1 (out of 100).</a:t>
+              <a:t> shows that the global wine knowledge index declined between 2015 and 2019 — from ~43.8 to ~40.1 (out of 100).</a:t>
             </a:r>
             <a:endParaRPr sz="950">
               <a:solidFill>
